--- a/material/aulas/06-heuristicas/slides.pptx
+++ b/material/aulas/06-heuristicas/slides.pptx
@@ -8526,13 +8526,8 @@
           <a:p>
             <a:r>
               <a:rPr lang="en-US" dirty="0"/>
-              <a:t>Aula </a:t>
-            </a:r>
-            <a:r>
-              <a:rPr lang="en-US"/>
-              <a:t>- 06</a:t>
-            </a:r>
-            <a:endParaRPr lang="en-US" dirty="0"/>
+              <a:t>Aula - 06</a:t>
+            </a:r>
           </a:p>
         </p:txBody>
       </p:sp>
